--- a/SAP Stammtisch India.pptx
+++ b/SAP Stammtisch India.pptx
@@ -104,6 +104,11 @@
       </a:defRPr>
     </a:lvl9pPr>
   </p:defaultTextStyle>
+  <p:extLst>
+    <p:ext uri="{EFAFB233-063F-42B5-8137-9DF3F51BA10A}">
+      <p15:sldGuideLst xmlns:p15="http://schemas.microsoft.com/office/powerpoint/2012/main"/>
+    </p:ext>
+  </p:extLst>
 </p:presentation>
 </file>
 
@@ -254,7 +259,7 @@
           <a:p>
             <a:fld id="{D86C5D55-5245-4299-AA2A-5636D7771838}" type="datetimeFigureOut">
               <a:rPr lang="en-US" smtClean="0"/>
-              <a:t>12/22/2020</a:t>
+              <a:t>3/7/2021</a:t>
             </a:fld>
             <a:endParaRPr lang="en-US"/>
           </a:p>
@@ -452,7 +457,7 @@
           <a:p>
             <a:fld id="{D86C5D55-5245-4299-AA2A-5636D7771838}" type="datetimeFigureOut">
               <a:rPr lang="en-US" smtClean="0"/>
-              <a:t>12/22/2020</a:t>
+              <a:t>3/7/2021</a:t>
             </a:fld>
             <a:endParaRPr lang="en-US"/>
           </a:p>
@@ -660,7 +665,7 @@
           <a:p>
             <a:fld id="{D86C5D55-5245-4299-AA2A-5636D7771838}" type="datetimeFigureOut">
               <a:rPr lang="en-US" smtClean="0"/>
-              <a:t>12/22/2020</a:t>
+              <a:t>3/7/2021</a:t>
             </a:fld>
             <a:endParaRPr lang="en-US"/>
           </a:p>
@@ -858,7 +863,7 @@
           <a:p>
             <a:fld id="{D86C5D55-5245-4299-AA2A-5636D7771838}" type="datetimeFigureOut">
               <a:rPr lang="en-US" smtClean="0"/>
-              <a:t>12/22/2020</a:t>
+              <a:t>3/7/2021</a:t>
             </a:fld>
             <a:endParaRPr lang="en-US"/>
           </a:p>
@@ -1133,7 +1138,7 @@
           <a:p>
             <a:fld id="{D86C5D55-5245-4299-AA2A-5636D7771838}" type="datetimeFigureOut">
               <a:rPr lang="en-US" smtClean="0"/>
-              <a:t>12/22/2020</a:t>
+              <a:t>3/7/2021</a:t>
             </a:fld>
             <a:endParaRPr lang="en-US"/>
           </a:p>
@@ -1398,7 +1403,7 @@
           <a:p>
             <a:fld id="{D86C5D55-5245-4299-AA2A-5636D7771838}" type="datetimeFigureOut">
               <a:rPr lang="en-US" smtClean="0"/>
-              <a:t>12/22/2020</a:t>
+              <a:t>3/7/2021</a:t>
             </a:fld>
             <a:endParaRPr lang="en-US"/>
           </a:p>
@@ -1810,7 +1815,7 @@
           <a:p>
             <a:fld id="{D86C5D55-5245-4299-AA2A-5636D7771838}" type="datetimeFigureOut">
               <a:rPr lang="en-US" smtClean="0"/>
-              <a:t>12/22/2020</a:t>
+              <a:t>3/7/2021</a:t>
             </a:fld>
             <a:endParaRPr lang="en-US"/>
           </a:p>
@@ -1951,7 +1956,7 @@
           <a:p>
             <a:fld id="{D86C5D55-5245-4299-AA2A-5636D7771838}" type="datetimeFigureOut">
               <a:rPr lang="en-US" smtClean="0"/>
-              <a:t>12/22/2020</a:t>
+              <a:t>3/7/2021</a:t>
             </a:fld>
             <a:endParaRPr lang="en-US"/>
           </a:p>
@@ -2064,7 +2069,7 @@
           <a:p>
             <a:fld id="{D86C5D55-5245-4299-AA2A-5636D7771838}" type="datetimeFigureOut">
               <a:rPr lang="en-US" smtClean="0"/>
-              <a:t>12/22/2020</a:t>
+              <a:t>3/7/2021</a:t>
             </a:fld>
             <a:endParaRPr lang="en-US"/>
           </a:p>
@@ -2375,7 +2380,7 @@
           <a:p>
             <a:fld id="{D86C5D55-5245-4299-AA2A-5636D7771838}" type="datetimeFigureOut">
               <a:rPr lang="en-US" smtClean="0"/>
-              <a:t>12/22/2020</a:t>
+              <a:t>3/7/2021</a:t>
             </a:fld>
             <a:endParaRPr lang="en-US"/>
           </a:p>
@@ -2663,7 +2668,7 @@
           <a:p>
             <a:fld id="{D86C5D55-5245-4299-AA2A-5636D7771838}" type="datetimeFigureOut">
               <a:rPr lang="en-US" smtClean="0"/>
-              <a:t>12/22/2020</a:t>
+              <a:t>3/7/2021</a:t>
             </a:fld>
             <a:endParaRPr lang="en-US"/>
           </a:p>
@@ -2904,7 +2909,7 @@
           <a:p>
             <a:fld id="{D86C5D55-5245-4299-AA2A-5636D7771838}" type="datetimeFigureOut">
               <a:rPr lang="en-US" smtClean="0"/>
-              <a:t>12/22/2020</a:t>
+              <a:t>3/7/2021</a:t>
             </a:fld>
             <a:endParaRPr lang="en-US"/>
           </a:p>
@@ -3641,11 +3646,11 @@
               <a:buNone/>
             </a:pPr>
             <a:r>
-              <a:rPr lang="en-US" sz="2000" b="1" i="0">
+              <a:rPr lang="en-US" sz="2000" b="1" i="0" dirty="0">
                 <a:effectLst/>
                 <a:latin typeface="Neue Plak"/>
               </a:rPr>
-              <a:t>Meeting 2 16-Jan-2021 </a:t>
+              <a:t>Meeting 4 20-Mar-2021 </a:t>
             </a:r>
           </a:p>
           <a:p>
@@ -3653,7 +3658,7 @@
               <a:buNone/>
             </a:pPr>
             <a:r>
-              <a:rPr lang="en-US" sz="2000" b="1" i="0">
+              <a:rPr lang="en-US" sz="2000" b="1" i="0" dirty="0">
                 <a:effectLst/>
                 <a:latin typeface="Neue Plak"/>
               </a:rPr>
@@ -3666,11 +3671,32 @@
               <a:buAutoNum type="arabicPeriod"/>
             </a:pPr>
             <a:r>
-              <a:rPr lang="en-US" sz="2000" b="0" i="0">
+              <a:rPr lang="en-US" sz="2000" b="1" i="0" dirty="0">
                 <a:effectLst/>
                 <a:latin typeface="Neue Plak"/>
               </a:rPr>
-              <a:t>Introduction to SAP Cloud Platform Integration CPI by Sriprasad Shivaram Bhat</a:t>
+              <a:t>Introduction to SAP Cloud Platform Integration CPI part 3 </a:t>
+            </a:r>
+            <a:r>
+              <a:rPr lang="en-US" sz="2000" b="0" i="0" dirty="0">
+                <a:effectLst/>
+                <a:latin typeface="Neue Plak"/>
+              </a:rPr>
+              <a:t>by </a:t>
+            </a:r>
+            <a:r>
+              <a:rPr lang="en-US" sz="2000" b="0" i="0" dirty="0" err="1">
+                <a:effectLst/>
+                <a:latin typeface="Neue Plak"/>
+              </a:rPr>
+              <a:t>Sriprasad</a:t>
+            </a:r>
+            <a:r>
+              <a:rPr lang="en-US" sz="2000" b="0" i="0" dirty="0">
+                <a:effectLst/>
+                <a:latin typeface="Neue Plak"/>
+              </a:rPr>
+              <a:t> Shivaram Bhat</a:t>
             </a:r>
           </a:p>
           <a:p>
@@ -3679,11 +3705,18 @@
               <a:buAutoNum type="arabicPeriod"/>
             </a:pPr>
             <a:r>
-              <a:rPr lang="en-US" sz="2000" b="0" i="0">
+              <a:rPr lang="en-US" sz="2000" b="1" i="0" dirty="0">
                 <a:effectLst/>
                 <a:latin typeface="Neue Plak"/>
               </a:rPr>
-              <a:t>How do you do the same thing in ABAP with new Syntax by Chithra Narayanan</a:t>
+              <a:t>" My SAP Certification Journey" </a:t>
+            </a:r>
+            <a:r>
+              <a:rPr lang="en-US" sz="2000" b="0" i="0" dirty="0">
+                <a:effectLst/>
+                <a:latin typeface="Neue Plak"/>
+              </a:rPr>
+              <a:t>and relevancy in current scenario by Mohit Bansal</a:t>
             </a:r>
           </a:p>
           <a:p>
@@ -3692,15 +3725,15 @@
               <a:buAutoNum type="arabicPeriod"/>
             </a:pPr>
             <a:r>
-              <a:rPr lang="en-US" sz="2000" b="0" i="0">
+              <a:rPr lang="en-US" sz="2000" b="0" i="0" dirty="0">
                 <a:effectLst/>
                 <a:latin typeface="Neue Plak"/>
               </a:rPr>
-              <a:t>Informal discussion about latest happening,next meet and topics.</a:t>
-            </a:r>
-          </a:p>
-          <a:p>
-            <a:endParaRPr lang="en-US" sz="2000"/>
+              <a:t>Informal discussion about latest happening, next meet and topics.</a:t>
+            </a:r>
+          </a:p>
+          <a:p>
+            <a:endParaRPr lang="en-US" sz="2000" dirty="0"/>
           </a:p>
         </p:txBody>
       </p:sp>

--- a/SAP Stammtisch India.pptx
+++ b/SAP Stammtisch India.pptx
@@ -259,7 +259,7 @@
           <a:p>
             <a:fld id="{D86C5D55-5245-4299-AA2A-5636D7771838}" type="datetimeFigureOut">
               <a:rPr lang="en-US" smtClean="0"/>
-              <a:t>3/7/2021</a:t>
+              <a:t>4/16/2021</a:t>
             </a:fld>
             <a:endParaRPr lang="en-US"/>
           </a:p>
@@ -457,7 +457,7 @@
           <a:p>
             <a:fld id="{D86C5D55-5245-4299-AA2A-5636D7771838}" type="datetimeFigureOut">
               <a:rPr lang="en-US" smtClean="0"/>
-              <a:t>3/7/2021</a:t>
+              <a:t>4/16/2021</a:t>
             </a:fld>
             <a:endParaRPr lang="en-US"/>
           </a:p>
@@ -665,7 +665,7 @@
           <a:p>
             <a:fld id="{D86C5D55-5245-4299-AA2A-5636D7771838}" type="datetimeFigureOut">
               <a:rPr lang="en-US" smtClean="0"/>
-              <a:t>3/7/2021</a:t>
+              <a:t>4/16/2021</a:t>
             </a:fld>
             <a:endParaRPr lang="en-US"/>
           </a:p>
@@ -863,7 +863,7 @@
           <a:p>
             <a:fld id="{D86C5D55-5245-4299-AA2A-5636D7771838}" type="datetimeFigureOut">
               <a:rPr lang="en-US" smtClean="0"/>
-              <a:t>3/7/2021</a:t>
+              <a:t>4/16/2021</a:t>
             </a:fld>
             <a:endParaRPr lang="en-US"/>
           </a:p>
@@ -1138,7 +1138,7 @@
           <a:p>
             <a:fld id="{D86C5D55-5245-4299-AA2A-5636D7771838}" type="datetimeFigureOut">
               <a:rPr lang="en-US" smtClean="0"/>
-              <a:t>3/7/2021</a:t>
+              <a:t>4/16/2021</a:t>
             </a:fld>
             <a:endParaRPr lang="en-US"/>
           </a:p>
@@ -1403,7 +1403,7 @@
           <a:p>
             <a:fld id="{D86C5D55-5245-4299-AA2A-5636D7771838}" type="datetimeFigureOut">
               <a:rPr lang="en-US" smtClean="0"/>
-              <a:t>3/7/2021</a:t>
+              <a:t>4/16/2021</a:t>
             </a:fld>
             <a:endParaRPr lang="en-US"/>
           </a:p>
@@ -1815,7 +1815,7 @@
           <a:p>
             <a:fld id="{D86C5D55-5245-4299-AA2A-5636D7771838}" type="datetimeFigureOut">
               <a:rPr lang="en-US" smtClean="0"/>
-              <a:t>3/7/2021</a:t>
+              <a:t>4/16/2021</a:t>
             </a:fld>
             <a:endParaRPr lang="en-US"/>
           </a:p>
@@ -1956,7 +1956,7 @@
           <a:p>
             <a:fld id="{D86C5D55-5245-4299-AA2A-5636D7771838}" type="datetimeFigureOut">
               <a:rPr lang="en-US" smtClean="0"/>
-              <a:t>3/7/2021</a:t>
+              <a:t>4/16/2021</a:t>
             </a:fld>
             <a:endParaRPr lang="en-US"/>
           </a:p>
@@ -2069,7 +2069,7 @@
           <a:p>
             <a:fld id="{D86C5D55-5245-4299-AA2A-5636D7771838}" type="datetimeFigureOut">
               <a:rPr lang="en-US" smtClean="0"/>
-              <a:t>3/7/2021</a:t>
+              <a:t>4/16/2021</a:t>
             </a:fld>
             <a:endParaRPr lang="en-US"/>
           </a:p>
@@ -2380,7 +2380,7 @@
           <a:p>
             <a:fld id="{D86C5D55-5245-4299-AA2A-5636D7771838}" type="datetimeFigureOut">
               <a:rPr lang="en-US" smtClean="0"/>
-              <a:t>3/7/2021</a:t>
+              <a:t>4/16/2021</a:t>
             </a:fld>
             <a:endParaRPr lang="en-US"/>
           </a:p>
@@ -2668,7 +2668,7 @@
           <a:p>
             <a:fld id="{D86C5D55-5245-4299-AA2A-5636D7771838}" type="datetimeFigureOut">
               <a:rPr lang="en-US" smtClean="0"/>
-              <a:t>3/7/2021</a:t>
+              <a:t>4/16/2021</a:t>
             </a:fld>
             <a:endParaRPr lang="en-US"/>
           </a:p>
@@ -2909,7 +2909,7 @@
           <a:p>
             <a:fld id="{D86C5D55-5245-4299-AA2A-5636D7771838}" type="datetimeFigureOut">
               <a:rPr lang="en-US" smtClean="0"/>
-              <a:t>3/7/2021</a:t>
+              <a:t>4/16/2021</a:t>
             </a:fld>
             <a:endParaRPr lang="en-US"/>
           </a:p>
@@ -3553,7 +3553,7 @@
           <a:p>
             <a:pPr algn="r"/>
             <a:r>
-              <a:rPr lang="en-US" sz="4600"/>
+              <a:rPr lang="en-US" sz="4600" dirty="0"/>
               <a:t>SAP Stammtisch India</a:t>
             </a:r>
           </a:p>
@@ -3650,7 +3650,20 @@
                 <a:effectLst/>
                 <a:latin typeface="Neue Plak"/>
               </a:rPr>
-              <a:t>Meeting 4 20-Mar-2021 </a:t>
+              <a:t>Meeting 5 </a:t>
+            </a:r>
+            <a:r>
+              <a:rPr lang="en-US" sz="2000" b="1" dirty="0">
+                <a:latin typeface="Neue Plak"/>
+              </a:rPr>
+              <a:t>17</a:t>
+            </a:r>
+            <a:r>
+              <a:rPr lang="en-US" sz="2000" b="1" i="0" dirty="0">
+                <a:effectLst/>
+                <a:latin typeface="Neue Plak"/>
+              </a:rPr>
+              <a:t>-Apr-2021 </a:t>
             </a:r>
           </a:p>
           <a:p>
@@ -3671,52 +3684,24 @@
               <a:buAutoNum type="arabicPeriod"/>
             </a:pPr>
             <a:r>
+              <a:rPr lang="en-US" sz="2000" b="0" i="0" dirty="0">
+                <a:effectLst/>
+                <a:latin typeface="Neue Plak"/>
+              </a:rPr>
+              <a:t>S/4HANA(On Premise) Fiori Elements Based development &amp; Extensibility- Real Time Scenarios</a:t>
+            </a:r>
+            <a:r>
+              <a:rPr lang="en-US" sz="2000" b="1" dirty="0">
+                <a:latin typeface="Neue Plak"/>
+              </a:rPr>
+              <a:t> </a:t>
+            </a:r>
+            <a:r>
               <a:rPr lang="en-US" sz="2000" b="1" i="0" dirty="0">
                 <a:effectLst/>
                 <a:latin typeface="Neue Plak"/>
               </a:rPr>
-              <a:t>Introduction to SAP Cloud Platform Integration CPI part 3 </a:t>
-            </a:r>
-            <a:r>
-              <a:rPr lang="en-US" sz="2000" b="0" i="0" dirty="0">
-                <a:effectLst/>
-                <a:latin typeface="Neue Plak"/>
-              </a:rPr>
-              <a:t>by </a:t>
-            </a:r>
-            <a:r>
-              <a:rPr lang="en-US" sz="2000" b="0" i="0" dirty="0" err="1">
-                <a:effectLst/>
-                <a:latin typeface="Neue Plak"/>
-              </a:rPr>
-              <a:t>Sriprasad</a:t>
-            </a:r>
-            <a:r>
-              <a:rPr lang="en-US" sz="2000" b="0" i="0" dirty="0">
-                <a:effectLst/>
-                <a:latin typeface="Neue Plak"/>
-              </a:rPr>
-              <a:t> Shivaram Bhat</a:t>
-            </a:r>
-          </a:p>
-          <a:p>
-            <a:pPr>
-              <a:buFont typeface="+mj-lt"/>
-              <a:buAutoNum type="arabicPeriod"/>
-            </a:pPr>
-            <a:r>
-              <a:rPr lang="en-US" sz="2000" b="1" i="0" dirty="0">
-                <a:effectLst/>
-                <a:latin typeface="Neue Plak"/>
-              </a:rPr>
-              <a:t>" My SAP Certification Journey" </a:t>
-            </a:r>
-            <a:r>
-              <a:rPr lang="en-US" sz="2000" b="0" i="0" dirty="0">
-                <a:effectLst/>
-                <a:latin typeface="Neue Plak"/>
-              </a:rPr>
-              <a:t>and relevancy in current scenario by Mohit Bansal</a:t>
+              <a:t>by Mohit Bansal</a:t>
             </a:r>
           </a:p>
           <a:p>
